--- a/Τελική Παρουσίαση.pptx
+++ b/Τελική Παρουσίαση.pptx
@@ -536,13 +536,13 @@
   </pc:docChgLst>
   <pc:docChgLst>
     <pc:chgData name="up1072868@upatras.gr" userId="58190032-8298-4286-9fe5-c2cf30bf7efb" providerId="ADAL" clId="{17DCF0B2-7DC5-463E-AB25-49CAD956C34F}"/>
-    <pc:docChg chg="custSel addSld modSld">
-      <pc:chgData name="up1072868@upatras.gr" userId="58190032-8298-4286-9fe5-c2cf30bf7efb" providerId="ADAL" clId="{17DCF0B2-7DC5-463E-AB25-49CAD956C34F}" dt="2023-05-28T17:32:22.327" v="108" actId="1076"/>
+    <pc:docChg chg="undo custSel addSld modSld">
+      <pc:chgData name="up1072868@upatras.gr" userId="58190032-8298-4286-9fe5-c2cf30bf7efb" providerId="ADAL" clId="{17DCF0B2-7DC5-463E-AB25-49CAD956C34F}" dt="2023-06-01T15:16:18.943" v="151" actId="1076"/>
       <pc:docMkLst>
         <pc:docMk/>
       </pc:docMkLst>
       <pc:sldChg chg="modSp mod">
-        <pc:chgData name="up1072868@upatras.gr" userId="58190032-8298-4286-9fe5-c2cf30bf7efb" providerId="ADAL" clId="{17DCF0B2-7DC5-463E-AB25-49CAD956C34F}" dt="2023-05-28T17:24:06.130" v="12" actId="1076"/>
+        <pc:chgData name="up1072868@upatras.gr" userId="58190032-8298-4286-9fe5-c2cf30bf7efb" providerId="ADAL" clId="{17DCF0B2-7DC5-463E-AB25-49CAD956C34F}" dt="2023-06-01T15:16:18.943" v="151" actId="1076"/>
         <pc:sldMkLst>
           <pc:docMk/>
           <pc:sldMk cId="3724990158" sldId="257"/>
@@ -556,7 +556,7 @@
           </ac:spMkLst>
         </pc:spChg>
         <pc:spChg chg="mod">
-          <ac:chgData name="up1072868@upatras.gr" userId="58190032-8298-4286-9fe5-c2cf30bf7efb" providerId="ADAL" clId="{17DCF0B2-7DC5-463E-AB25-49CAD956C34F}" dt="2023-05-28T17:24:06.130" v="12" actId="1076"/>
+          <ac:chgData name="up1072868@upatras.gr" userId="58190032-8298-4286-9fe5-c2cf30bf7efb" providerId="ADAL" clId="{17DCF0B2-7DC5-463E-AB25-49CAD956C34F}" dt="2023-06-01T15:16:18.943" v="151" actId="1076"/>
           <ac:spMkLst>
             <pc:docMk/>
             <pc:sldMk cId="3724990158" sldId="257"/>
@@ -565,13 +565,21 @@
         </pc:spChg>
       </pc:sldChg>
       <pc:sldChg chg="modSp mod">
-        <pc:chgData name="up1072868@upatras.gr" userId="58190032-8298-4286-9fe5-c2cf30bf7efb" providerId="ADAL" clId="{17DCF0B2-7DC5-463E-AB25-49CAD956C34F}" dt="2023-05-28T17:24:59.749" v="61" actId="123"/>
+        <pc:chgData name="up1072868@upatras.gr" userId="58190032-8298-4286-9fe5-c2cf30bf7efb" providerId="ADAL" clId="{17DCF0B2-7DC5-463E-AB25-49CAD956C34F}" dt="2023-06-01T15:15:48.898" v="148" actId="20577"/>
         <pc:sldMkLst>
           <pc:docMk/>
           <pc:sldMk cId="27401189" sldId="261"/>
         </pc:sldMkLst>
         <pc:spChg chg="mod">
-          <ac:chgData name="up1072868@upatras.gr" userId="58190032-8298-4286-9fe5-c2cf30bf7efb" providerId="ADAL" clId="{17DCF0B2-7DC5-463E-AB25-49CAD956C34F}" dt="2023-05-28T17:24:59.749" v="61" actId="123"/>
+          <ac:chgData name="up1072868@upatras.gr" userId="58190032-8298-4286-9fe5-c2cf30bf7efb" providerId="ADAL" clId="{17DCF0B2-7DC5-463E-AB25-49CAD956C34F}" dt="2023-06-01T15:15:48.898" v="148" actId="20577"/>
+          <ac:spMkLst>
+            <pc:docMk/>
+            <pc:sldMk cId="27401189" sldId="261"/>
+            <ac:spMk id="10" creationId="{D8D2AA59-C2B0-0265-E024-893ED01F0D3B}"/>
+          </ac:spMkLst>
+        </pc:spChg>
+        <pc:spChg chg="mod">
+          <ac:chgData name="up1072868@upatras.gr" userId="58190032-8298-4286-9fe5-c2cf30bf7efb" providerId="ADAL" clId="{17DCF0B2-7DC5-463E-AB25-49CAD956C34F}" dt="2023-06-01T15:14:43.543" v="112" actId="114"/>
           <ac:spMkLst>
             <pc:docMk/>
             <pc:sldMk cId="27401189" sldId="261"/>
@@ -2047,7 +2055,7 @@
           <a:p>
             <a:fld id="{4F5C001D-F85D-4D87-9DC7-FF3F2D4FED3F}" type="datetimeFigureOut">
               <a:rPr lang="en-US" smtClean="0"/>
-              <a:t>5/28/2023</a:t>
+              <a:t>6/1/2023</a:t>
             </a:fld>
             <a:endParaRPr lang="en-US"/>
           </a:p>
@@ -2298,7 +2306,7 @@
           <a:p>
             <a:fld id="{4F5C001D-F85D-4D87-9DC7-FF3F2D4FED3F}" type="datetimeFigureOut">
               <a:rPr lang="en-US" smtClean="0"/>
-              <a:t>5/28/2023</a:t>
+              <a:t>6/1/2023</a:t>
             </a:fld>
             <a:endParaRPr lang="en-US"/>
           </a:p>
@@ -2612,7 +2620,7 @@
           <a:p>
             <a:fld id="{4F5C001D-F85D-4D87-9DC7-FF3F2D4FED3F}" type="datetimeFigureOut">
               <a:rPr lang="en-US" smtClean="0"/>
-              <a:t>5/28/2023</a:t>
+              <a:t>6/1/2023</a:t>
             </a:fld>
             <a:endParaRPr lang="en-US"/>
           </a:p>
@@ -2945,7 +2953,7 @@
           <a:p>
             <a:fld id="{4F5C001D-F85D-4D87-9DC7-FF3F2D4FED3F}" type="datetimeFigureOut">
               <a:rPr lang="en-US" smtClean="0"/>
-              <a:t>5/28/2023</a:t>
+              <a:t>6/1/2023</a:t>
             </a:fld>
             <a:endParaRPr lang="en-US"/>
           </a:p>
@@ -3259,7 +3267,7 @@
           <a:p>
             <a:fld id="{4F5C001D-F85D-4D87-9DC7-FF3F2D4FED3F}" type="datetimeFigureOut">
               <a:rPr lang="en-US" smtClean="0"/>
-              <a:t>5/28/2023</a:t>
+              <a:t>6/1/2023</a:t>
             </a:fld>
             <a:endParaRPr lang="en-US"/>
           </a:p>
@@ -3652,7 +3660,7 @@
           <a:p>
             <a:fld id="{4F5C001D-F85D-4D87-9DC7-FF3F2D4FED3F}" type="datetimeFigureOut">
               <a:rPr lang="en-US" smtClean="0"/>
-              <a:t>5/28/2023</a:t>
+              <a:t>6/1/2023</a:t>
             </a:fld>
             <a:endParaRPr lang="en-US"/>
           </a:p>
@@ -3822,7 +3830,7 @@
           <a:p>
             <a:fld id="{4F5C001D-F85D-4D87-9DC7-FF3F2D4FED3F}" type="datetimeFigureOut">
               <a:rPr lang="en-US" smtClean="0"/>
-              <a:t>5/28/2023</a:t>
+              <a:t>6/1/2023</a:t>
             </a:fld>
             <a:endParaRPr lang="en-US"/>
           </a:p>
@@ -4002,7 +4010,7 @@
           <a:p>
             <a:fld id="{4F5C001D-F85D-4D87-9DC7-FF3F2D4FED3F}" type="datetimeFigureOut">
               <a:rPr lang="en-US" smtClean="0"/>
-              <a:t>5/28/2023</a:t>
+              <a:t>6/1/2023</a:t>
             </a:fld>
             <a:endParaRPr lang="en-US"/>
           </a:p>
@@ -4172,7 +4180,7 @@
           <a:p>
             <a:fld id="{4F5C001D-F85D-4D87-9DC7-FF3F2D4FED3F}" type="datetimeFigureOut">
               <a:rPr lang="en-US" smtClean="0"/>
-              <a:t>5/28/2023</a:t>
+              <a:t>6/1/2023</a:t>
             </a:fld>
             <a:endParaRPr lang="en-US"/>
           </a:p>
@@ -4419,7 +4427,7 @@
           <a:p>
             <a:fld id="{4F5C001D-F85D-4D87-9DC7-FF3F2D4FED3F}" type="datetimeFigureOut">
               <a:rPr lang="en-US" smtClean="0"/>
-              <a:t>5/28/2023</a:t>
+              <a:t>6/1/2023</a:t>
             </a:fld>
             <a:endParaRPr lang="en-US"/>
           </a:p>
@@ -4651,7 +4659,7 @@
           <a:p>
             <a:fld id="{4F5C001D-F85D-4D87-9DC7-FF3F2D4FED3F}" type="datetimeFigureOut">
               <a:rPr lang="en-US" smtClean="0"/>
-              <a:t>5/28/2023</a:t>
+              <a:t>6/1/2023</a:t>
             </a:fld>
             <a:endParaRPr lang="en-US"/>
           </a:p>
@@ -5025,7 +5033,7 @@
           <a:p>
             <a:fld id="{4F5C001D-F85D-4D87-9DC7-FF3F2D4FED3F}" type="datetimeFigureOut">
               <a:rPr lang="en-US" smtClean="0"/>
-              <a:t>5/28/2023</a:t>
+              <a:t>6/1/2023</a:t>
             </a:fld>
             <a:endParaRPr lang="en-US"/>
           </a:p>
@@ -5148,7 +5156,7 @@
           <a:p>
             <a:fld id="{4F5C001D-F85D-4D87-9DC7-FF3F2D4FED3F}" type="datetimeFigureOut">
               <a:rPr lang="en-US" smtClean="0"/>
-              <a:t>5/28/2023</a:t>
+              <a:t>6/1/2023</a:t>
             </a:fld>
             <a:endParaRPr lang="en-US"/>
           </a:p>
@@ -5243,7 +5251,7 @@
           <a:p>
             <a:fld id="{4F5C001D-F85D-4D87-9DC7-FF3F2D4FED3F}" type="datetimeFigureOut">
               <a:rPr lang="en-US" smtClean="0"/>
-              <a:t>5/28/2023</a:t>
+              <a:t>6/1/2023</a:t>
             </a:fld>
             <a:endParaRPr lang="en-US"/>
           </a:p>
@@ -5498,7 +5506,7 @@
           <a:p>
             <a:fld id="{4F5C001D-F85D-4D87-9DC7-FF3F2D4FED3F}" type="datetimeFigureOut">
               <a:rPr lang="en-US" smtClean="0"/>
-              <a:t>5/28/2023</a:t>
+              <a:t>6/1/2023</a:t>
             </a:fld>
             <a:endParaRPr lang="en-US"/>
           </a:p>
@@ -5803,7 +5811,7 @@
           <a:p>
             <a:fld id="{4F5C001D-F85D-4D87-9DC7-FF3F2D4FED3F}" type="datetimeFigureOut">
               <a:rPr lang="en-US" smtClean="0"/>
-              <a:t>5/28/2023</a:t>
+              <a:t>6/1/2023</a:t>
             </a:fld>
             <a:endParaRPr lang="en-US"/>
           </a:p>
@@ -6505,7 +6513,7 @@
           <a:p>
             <a:fld id="{4F5C001D-F85D-4D87-9DC7-FF3F2D4FED3F}" type="datetimeFigureOut">
               <a:rPr lang="en-US" smtClean="0"/>
-              <a:t>5/28/2023</a:t>
+              <a:t>6/1/2023</a:t>
             </a:fld>
             <a:endParaRPr lang="en-US"/>
           </a:p>
@@ -8050,7 +8058,7 @@
         </p:nvSpPr>
         <p:spPr>
           <a:xfrm>
-            <a:off x="6236509" y="2160589"/>
+            <a:off x="6180526" y="2160589"/>
             <a:ext cx="3483295" cy="3880773"/>
           </a:xfrm>
         </p:spPr>
@@ -8064,10 +8072,10 @@
               <a:buNone/>
             </a:pPr>
             <a:r>
-              <a:rPr lang="en-US" sz="1600" i="1" u="sng" dirty="0"/>
+              <a:rPr lang="en-US" sz="1700" i="1" u="sng" dirty="0"/>
               <a:t>User story:</a:t>
             </a:r>
-            <a:endParaRPr lang="el-GR" sz="1600" i="1" dirty="0"/>
+            <a:endParaRPr lang="el-GR" sz="1700" i="1" dirty="0"/>
           </a:p>
           <a:p>
             <a:pPr marL="1270" indent="0" algn="just">
@@ -8080,15 +8088,15 @@
               <a:buNone/>
             </a:pPr>
             <a:r>
-              <a:rPr lang="el-GR" sz="1700" dirty="0"/>
+              <a:rPr lang="el-GR" sz="1700" i="1" dirty="0"/>
               <a:t>Ο Νίκος κλείνει δύο δίκλινα δωμάτια στο </a:t>
             </a:r>
             <a:r>
-              <a:rPr lang="en-US" sz="1700" dirty="0"/>
+              <a:rPr lang="en-US" sz="1700" i="1" dirty="0"/>
               <a:t>Aegean Blue Hotel</a:t>
             </a:r>
             <a:r>
-              <a:rPr lang="el-GR" sz="1700" dirty="0"/>
+              <a:rPr lang="el-GR" sz="1700" i="1" dirty="0"/>
               <a:t> για την τετραμελή οικογένειά του, για τις 25-28 Ιουνίου. Στην κράτησή του συμπεριλαμβάνει πρωινό και δωρεάν ακύρωση. Είναι η τέταρτη χρονιά που επιλέγει το ξενοδοχείο μας για τις διακοπές τους κι έτσι δικαιούται έκπτωση στην τελική τιμή. Λίγες μέρες μετά, λόγω έκτακτων υποχρεώσεων, αλλάζει τις ημερομηνίες της κράτησης για τις 2-5 Ιουλίου.</a:t>
             </a:r>
           </a:p>
@@ -8213,6 +8221,7 @@
               <a:rPr lang="el-GR" dirty="0"/>
               <a:t>Επισκόπηση και διαχείριση όλων των κρατήσεων (αλλαγή δωματίων, αλλαγή ημερομηνιών, ακύρωση)</a:t>
             </a:r>
+            <a:endParaRPr lang="en-US" dirty="0"/>
           </a:p>
           <a:p>
             <a:pPr>
@@ -8222,9 +8231,8 @@
             </a:pPr>
             <a:r>
               <a:rPr lang="el-GR" dirty="0"/>
-              <a:t>Επεξεργασία τύπων δωματίων</a:t>
-            </a:r>
-            <a:endParaRPr lang="en-US" dirty="0"/>
+              <a:t>Επεξεργασία διαχειριστών εφαρμογής</a:t>
+            </a:r>
           </a:p>
         </p:txBody>
       </p:sp>
@@ -8271,15 +8279,23 @@
             </a:pPr>
             <a:r>
               <a:rPr lang="el-GR" sz="1600" i="1" dirty="0"/>
-              <a:t>Η Χρύσα, υπεύθυνη κρατήσεων του </a:t>
-            </a:r>
-            <a:r>
-              <a:rPr lang="en-US" sz="1600" i="1" dirty="0"/>
-              <a:t>Aegean Blue Hotel, </a:t>
+              <a:t>Η Χρύσα, υπεύθυνη κρατήσεων του Aegean </a:t>
+            </a:r>
+            <a:r>
+              <a:rPr lang="el-GR" sz="1600" i="1" dirty="0" err="1"/>
+              <a:t>Blue</a:t>
             </a:r>
             <a:r>
               <a:rPr lang="el-GR" sz="1600" i="1" dirty="0"/>
-              <a:t>ελέγχει τις κρατήσεις της επόμενης εβδομάδας και πραγματοποιεί τις απαραίτητες αλλαγές στα δωμάτια που καταλαμβάνουν αυτές.</a:t>
+              <a:t> </a:t>
+            </a:r>
+            <a:r>
+              <a:rPr lang="el-GR" sz="1600" i="1" dirty="0" err="1"/>
+              <a:t>Hotel</a:t>
+            </a:r>
+            <a:r>
+              <a:rPr lang="el-GR" sz="1600" i="1" dirty="0"/>
+              <a:t>, ελέγχει τις κρατήσεις της επόμενης εβδομάδας και πραγματοποιεί τις απαραίτητες αλλαγές στα δωμάτια που καταλαμβάνουν αυτές. Έπειτα, προσθέτει την Κωνσταντίνα Πετροπούλου, νέα υπάλληλο του ξενοδοχείου, ως διαχειρίστρια. </a:t>
             </a:r>
             <a:endParaRPr lang="en-US" sz="1600" i="1" dirty="0"/>
           </a:p>
